--- a/정보 피피티.pptx
+++ b/정보 피피티.pptx
@@ -2,7 +2,7 @@
 <file path=ppt/presentation.xml><?xml version="1.0" encoding="utf-8"?>
 <p:presentation xmlns:r="http://schemas.openxmlformats.org/officeDocument/2006/relationships" xmlns:c="http://schemas.openxmlformats.org/drawingml/2006/chart" xmlns:a="http://schemas.openxmlformats.org/drawingml/2006/main" xmlns:dgm="http://schemas.openxmlformats.org/drawingml/2006/diagram" xmlns:dsp="http://schemas.microsoft.com/office/drawing/2008/diagram" xmlns:p="http://schemas.openxmlformats.org/presentationml/2006/main">
   <p:sldMasterIdLst>
-    <p:sldMasterId id="2147483662" r:id="rId1"/>
+    <p:sldMasterId id="2147483663" r:id="rId1"/>
   </p:sldMasterIdLst>
   <p:sldIdLst>
     <p:sldId id="256" r:id="rId2"/>
@@ -12,6 +12,7 @@
     <p:sldId id="260" r:id="rId6"/>
     <p:sldId id="261" r:id="rId7"/>
     <p:sldId id="262" r:id="rId8"/>
+    <p:sldId id="263" r:id="rId9"/>
   </p:sldIdLst>
   <p:sldSz cx="12192000" cy="6858000"/>
   <p:notesSz cx="6858000" cy="9144000"/>
@@ -4241,10 +4242,15 @@
             <p:ph idx="1"/>
           </p:nvPr>
         </p:nvSpPr>
-        <p:spPr/>
+        <p:spPr>
+          <a:xfrm>
+            <a:off x="838200" y="1825625"/>
+            <a:ext cx="5257800" cy="4351338"/>
+          </a:xfrm>
+        </p:spPr>
         <p:txBody>
           <a:bodyPr>
-            <a:normAutofit fontScale="77500" lnSpcReduction="20000"/>
+            <a:noAutofit/>
           </a:bodyPr>
           <a:lstStyle/>
           <a:p>
@@ -4255,10 +4261,10 @@
               <a:defRPr/>
             </a:pPr>
             <a:r>
-              <a:rPr lang="ko-KR" altLang="en-US"/>
+              <a:rPr lang="ko-KR" altLang="en-US" sz="1600"/>
               <a:t>두 소수 p , qp,q 를 준비한다.</a:t>
             </a:r>
-            <a:endParaRPr lang="ko-KR" altLang="en-US"/>
+            <a:endParaRPr lang="ko-KR" altLang="en-US" sz="1600"/>
           </a:p>
           <a:p>
             <a:pPr>
@@ -4268,10 +4274,10 @@
               <a:defRPr/>
             </a:pPr>
             <a:r>
-              <a:rPr lang="ko-KR" altLang="en-US"/>
-              <a:t>p - 1,\ q - 1p−1, q−1과 각각 서로소인 정수 ee를 준비한다.</a:t>
-            </a:r>
-            <a:endParaRPr lang="ko-KR" altLang="en-US"/>
+              <a:rPr lang="ko-KR" altLang="en-US" sz="1600"/>
+              <a:t>p - 1, q - 1p−1, q−1과 각각 서로소인 정수 ee를 준비한다.</a:t>
+            </a:r>
+            <a:endParaRPr lang="ko-KR" altLang="en-US" sz="1600"/>
           </a:p>
           <a:p>
             <a:pPr>
@@ -4281,10 +4287,10 @@
               <a:defRPr/>
             </a:pPr>
             <a:r>
-              <a:rPr lang="ko-KR" altLang="en-US"/>
+              <a:rPr lang="ko-KR" altLang="en-US" sz="1600"/>
               <a:t>eded를 (p - 1)(q - 1)(p−1)(q−1)으로 나눈 나머지가 1이 되도록 하는 dd를 찾는다.</a:t>
             </a:r>
-            <a:endParaRPr lang="ko-KR" altLang="en-US"/>
+            <a:endParaRPr lang="ko-KR" altLang="en-US" sz="1600"/>
           </a:p>
           <a:p>
             <a:pPr>
@@ -4294,10 +4300,38 @@
               <a:defRPr/>
             </a:pPr>
             <a:r>
-              <a:rPr lang="ko-KR" altLang="en-US"/>
-              <a:t>N = pqN=pq를 계산한 후, NN과 ee를 공개한다. 이들이 바로 공개키이다. 한편 dd는 숨겨두는데, 이 수가 바로 개인키이다.</a:t>
-            </a:r>
-            <a:endParaRPr lang="ko-KR" altLang="en-US"/>
+              <a:rPr lang="ko-KR" altLang="en-US" sz="1600"/>
+              <a:t>N = pqN=pq를 계산한 후, NN과 ee를 공개한다</a:t>
+            </a:r>
+            <a:r>
+              <a:rPr lang="en-US" altLang="ko-KR" sz="1600"/>
+              <a:t>(</a:t>
+            </a:r>
+            <a:r>
+              <a:rPr lang="ko-KR" altLang="en-US" sz="1600"/>
+              <a:t>공개키</a:t>
+            </a:r>
+            <a:r>
+              <a:rPr lang="en-US" altLang="ko-KR" sz="1600"/>
+              <a:t>)</a:t>
+            </a:r>
+            <a:r>
+              <a:rPr lang="ko-KR" altLang="en-US" sz="1600"/>
+              <a:t>. 한편 dd는 숨겨둔다</a:t>
+            </a:r>
+            <a:r>
+              <a:rPr lang="en-US" altLang="ko-KR" sz="1600"/>
+              <a:t>(</a:t>
+            </a:r>
+            <a:r>
+              <a:rPr lang="ko-KR" altLang="en-US" sz="1600"/>
+              <a:t>개인키</a:t>
+            </a:r>
+            <a:r>
+              <a:rPr lang="en-US" altLang="ko-KR" sz="1600"/>
+              <a:t>).</a:t>
+            </a:r>
+            <a:endParaRPr lang="en-US" altLang="ko-KR" sz="1600"/>
           </a:p>
           <a:p>
             <a:pPr>
@@ -4307,13 +4341,70 @@
               <a:defRPr/>
             </a:pPr>
             <a:r>
-              <a:rPr lang="ko-KR" altLang="en-US"/>
-              <a:t>이제 p, q, (p-1)(q-1)p,q,(p−1)(q−1)는 필요 없거니와 있어 봐야 보안에 오히려 문제를 일으킬 수 있으니, 파기한다.</a:t>
-            </a:r>
-            <a:endParaRPr lang="ko-KR" altLang="en-US"/>
-          </a:p>
-        </p:txBody>
-      </p:sp>
+              <a:rPr lang="ko-KR" altLang="en-US" sz="1600"/>
+              <a:t>p, q, (p-1)(q-1)p,q,(p−1)(q−1)는 파기한다.</a:t>
+            </a:r>
+            <a:endParaRPr lang="ko-KR" altLang="en-US" sz="1600"/>
+          </a:p>
+        </p:txBody>
+      </p:sp>
+      <p:pic>
+        <p:nvPicPr>
+          <p:cNvPr id="5" name=""/>
+          <p:cNvPicPr>
+            <a:picLocks noChangeAspect="1"/>
+          </p:cNvPicPr>
+          <p:nvPr/>
+        </p:nvPicPr>
+        <p:blipFill rotWithShape="1">
+          <a:blip r:embed="rId2"/>
+          <a:stretch>
+            <a:fillRect/>
+          </a:stretch>
+        </p:blipFill>
+        <p:spPr>
+          <a:xfrm>
+            <a:off x="6336097" y="1835997"/>
+            <a:ext cx="5360534" cy="3702314"/>
+          </a:xfrm>
+          <a:prstGeom prst="rect">
+            <a:avLst/>
+          </a:prstGeom>
+        </p:spPr>
+      </p:pic>
+    </p:spTree>
+  </p:cSld>
+  <p:clrMapOvr>
+    <a:masterClrMapping/>
+  </p:clrMapOvr>
+  <mc:AlternateContent xmlns:mc="http://schemas.openxmlformats.org/markup-compatibility/2006">
+    <mc:Choice xmlns:p14="http://schemas.microsoft.com/office/powerpoint/2010/main" Requires="p14">
+      <p:transition xmlns:mc="http://schemas.openxmlformats.org/markup-compatibility/2006" xmlns:p14="http://schemas.microsoft.com/office/powerpoint/2010/main" mc:Ignorable="p14" p14:dur="500"/>
+    </mc:Choice>
+    <mc:Fallback>
+      <p:transition/>
+    </mc:Fallback>
+  </mc:AlternateContent>
+</p:sld>
+</file>
+
+<file path=ppt/slides/slide8.xml><?xml version="1.0" encoding="utf-8"?>
+<p:sld xmlns:r="http://schemas.openxmlformats.org/officeDocument/2006/relationships" xmlns:c="http://schemas.openxmlformats.org/drawingml/2006/chart" xmlns:a="http://schemas.openxmlformats.org/drawingml/2006/main" xmlns:dgm="http://schemas.openxmlformats.org/drawingml/2006/diagram" xmlns:dsp="http://schemas.microsoft.com/office/drawing/2008/diagram" xmlns:p="http://schemas.openxmlformats.org/presentationml/2006/main">
+  <p:cSld>
+    <p:spTree>
+      <p:nvGrpSpPr>
+        <p:cNvPr id="1" name=""/>
+        <p:cNvGrpSpPr/>
+        <p:nvPr/>
+      </p:nvGrpSpPr>
+      <p:grpSpPr>
+        <a:xfrm>
+          <a:off x="0" y="0"/>
+          <a:ext cx="0" cy="0"/>
+          <a:chOff x="0" y="0"/>
+          <a:chExt cx="0" cy="0"/>
+        </a:xfrm>
+      </p:grpSpPr>
     </p:spTree>
   </p:cSld>
   <p:clrMapOvr>

--- a/정보 피피티.pptx
+++ b/정보 피피티.pptx
@@ -2,7 +2,7 @@
 <file path=ppt/presentation.xml><?xml version="1.0" encoding="utf-8"?>
 <p:presentation xmlns:r="http://schemas.openxmlformats.org/officeDocument/2006/relationships" xmlns:c="http://schemas.openxmlformats.org/drawingml/2006/chart" xmlns:a="http://schemas.openxmlformats.org/drawingml/2006/main" xmlns:dgm="http://schemas.openxmlformats.org/drawingml/2006/diagram" xmlns:dsp="http://schemas.microsoft.com/office/drawing/2008/diagram" xmlns:p="http://schemas.openxmlformats.org/presentationml/2006/main">
   <p:sldMasterIdLst>
-    <p:sldMasterId id="2147483663" r:id="rId1"/>
+    <p:sldMasterId id="2147483665" r:id="rId1"/>
   </p:sldMasterIdLst>
   <p:sldIdLst>
     <p:sldId id="256" r:id="rId2"/>
@@ -4405,6 +4405,166 @@
           <a:chExt cx="0" cy="0"/>
         </a:xfrm>
       </p:grpSpPr>
+      <p:sp>
+        <p:nvSpPr>
+          <p:cNvPr id="2" name="제목 1"/>
+          <p:cNvSpPr>
+            <a:spLocks noGrp="1"/>
+          </p:cNvSpPr>
+          <p:nvPr>
+            <p:ph type="title" idx="0"/>
+          </p:nvPr>
+        </p:nvSpPr>
+        <p:spPr/>
+        <p:txBody>
+          <a:bodyPr/>
+          <a:lstStyle/>
+          <a:p>
+            <a:pPr>
+              <a:defRPr/>
+            </a:pPr>
+            <a:r>
+              <a:rPr lang="ko-KR" altLang="en-US"/>
+              <a:t>소감</a:t>
+            </a:r>
+            <a:endParaRPr lang="ko-KR" altLang="en-US"/>
+          </a:p>
+        </p:txBody>
+      </p:sp>
+      <p:sp>
+        <p:nvSpPr>
+          <p:cNvPr id="3" name="내용 개체 틀 2"/>
+          <p:cNvSpPr>
+            <a:spLocks noGrp="1"/>
+          </p:cNvSpPr>
+          <p:nvPr>
+            <p:ph idx="1"/>
+          </p:nvPr>
+        </p:nvSpPr>
+        <p:spPr/>
+        <p:txBody>
+          <a:bodyPr>
+            <a:normAutofit fontScale="85000" lnSpcReduction="20000"/>
+          </a:bodyPr>
+          <a:lstStyle/>
+          <a:p>
+            <a:pPr>
+              <a:lnSpc>
+                <a:spcPct val="150000"/>
+              </a:lnSpc>
+              <a:defRPr/>
+            </a:pPr>
+            <a:r>
+              <a:rPr lang="ko-KR" altLang="en-US"/>
+              <a:t>김유원 </a:t>
+            </a:r>
+            <a:r>
+              <a:rPr lang="en-US" altLang="ko-KR"/>
+              <a:t>:</a:t>
+            </a:r>
+            <a:r>
+              <a:rPr lang="ko-KR" altLang="en-US"/>
+              <a:t> 이번엔 </a:t>
+            </a:r>
+            <a:r>
+              <a:rPr lang="en-US" altLang="ko-KR"/>
+              <a:t>AES</a:t>
+            </a:r>
+            <a:r>
+              <a:rPr lang="ko-KR" altLang="en-US"/>
+              <a:t>암호화에는 실패하였기 때문에 다음번엔 충분히 공부할 시간을 가져 </a:t>
+            </a:r>
+            <a:r>
+              <a:rPr lang="en-US" altLang="ko-KR"/>
+              <a:t>AES</a:t>
+            </a:r>
+            <a:r>
+              <a:rPr lang="ko-KR" altLang="en-US"/>
+              <a:t>암호화에도 도전해보고 싶다</a:t>
+            </a:r>
+            <a:r>
+              <a:rPr lang="en-US" altLang="ko-KR"/>
+              <a:t>.</a:t>
+            </a:r>
+            <a:endParaRPr lang="en-US" altLang="ko-KR"/>
+          </a:p>
+          <a:p>
+            <a:pPr>
+              <a:lnSpc>
+                <a:spcPct val="150000"/>
+              </a:lnSpc>
+              <a:defRPr/>
+            </a:pPr>
+            <a:r>
+              <a:rPr lang="ko-KR" altLang="en-US"/>
+              <a:t>노진혁 </a:t>
+            </a:r>
+            <a:r>
+              <a:rPr lang="en-US" altLang="ko-KR"/>
+              <a:t>:</a:t>
+            </a:r>
+            <a:r>
+              <a:rPr lang="ko-KR" altLang="en-US"/>
+              <a:t> 파이선을 통해서 여러 가지 프로그램을 만들 수 있는 기회여서 좋았다</a:t>
+            </a:r>
+            <a:r>
+              <a:rPr lang="en-US" altLang="ko-KR"/>
+              <a:t>.</a:t>
+            </a:r>
+            <a:endParaRPr lang="en-US" altLang="ko-KR"/>
+          </a:p>
+          <a:p>
+            <a:pPr>
+              <a:lnSpc>
+                <a:spcPct val="150000"/>
+              </a:lnSpc>
+              <a:defRPr/>
+            </a:pPr>
+            <a:r>
+              <a:rPr lang="ko-KR" altLang="en-US"/>
+              <a:t>심유진 </a:t>
+            </a:r>
+            <a:r>
+              <a:rPr lang="en-US" altLang="ko-KR"/>
+              <a:t>:</a:t>
+            </a:r>
+            <a:r>
+              <a:rPr lang="ko-KR" altLang="en-US"/>
+              <a:t> 암호화 복호화의 과정을 자세히 알았고 의미있게 마칠 수 있어서 뿌듯했다</a:t>
+            </a:r>
+            <a:r>
+              <a:rPr lang="en-US" altLang="ko-KR"/>
+              <a:t>.</a:t>
+            </a:r>
+            <a:endParaRPr lang="en-US" altLang="ko-KR"/>
+          </a:p>
+          <a:p>
+            <a:pPr>
+              <a:lnSpc>
+                <a:spcPct val="150000"/>
+              </a:lnSpc>
+              <a:defRPr/>
+            </a:pPr>
+            <a:r>
+              <a:rPr lang="ko-KR" altLang="en-US"/>
+              <a:t>이건우 </a:t>
+            </a:r>
+            <a:r>
+              <a:rPr lang="en-US" altLang="ko-KR"/>
+              <a:t>:</a:t>
+            </a:r>
+            <a:r>
+              <a:rPr lang="ko-KR" altLang="en-US"/>
+              <a:t> 파이썬을 이용해서 혼자서는 못했던 일을 같이 해낼 수 있어서 좋았다</a:t>
+            </a:r>
+            <a:r>
+              <a:rPr lang="en-US" altLang="ko-KR"/>
+              <a:t>.</a:t>
+            </a:r>
+            <a:endParaRPr lang="en-US" altLang="ko-KR"/>
+          </a:p>
+        </p:txBody>
+      </p:sp>
     </p:spTree>
   </p:cSld>
   <p:clrMapOvr>

--- a/정보 피피티.pptx
+++ b/정보 피피티.pptx
@@ -2,7 +2,7 @@
 <file path=ppt/presentation.xml><?xml version="1.0" encoding="utf-8"?>
 <p:presentation xmlns:r="http://schemas.openxmlformats.org/officeDocument/2006/relationships" xmlns:c="http://schemas.openxmlformats.org/drawingml/2006/chart" xmlns:a="http://schemas.openxmlformats.org/drawingml/2006/main" xmlns:dgm="http://schemas.openxmlformats.org/drawingml/2006/diagram" xmlns:dsp="http://schemas.microsoft.com/office/drawing/2008/diagram" xmlns:p="http://schemas.openxmlformats.org/presentationml/2006/main">
   <p:sldMasterIdLst>
-    <p:sldMasterId id="2147483665" r:id="rId1"/>
+    <p:sldMasterId id="2147483660" r:id="rId1"/>
   </p:sldMasterIdLst>
   <p:sldIdLst>
     <p:sldId id="256" r:id="rId2"/>
@@ -4464,23 +4464,7 @@
             </a:r>
             <a:r>
               <a:rPr lang="ko-KR" altLang="en-US"/>
-              <a:t> 이번엔 </a:t>
-            </a:r>
-            <a:r>
-              <a:rPr lang="en-US" altLang="ko-KR"/>
-              <a:t>AES</a:t>
-            </a:r>
-            <a:r>
-              <a:rPr lang="ko-KR" altLang="en-US"/>
-              <a:t>암호화에는 실패하였기 때문에 다음번엔 충분히 공부할 시간을 가져 </a:t>
-            </a:r>
-            <a:r>
-              <a:rPr lang="en-US" altLang="ko-KR"/>
-              <a:t>AES</a:t>
-            </a:r>
-            <a:r>
-              <a:rPr lang="ko-KR" altLang="en-US"/>
-              <a:t>암호화에도 도전해보고 싶다</a:t>
+              <a:t> 이번엔 암호화 프로그램을 만들었지만 다음 번에 기회가 된다면 충분한 시간을 가지고 파이썬 해킹 프로그래밍을 해보고 싶다</a:t>
             </a:r>
             <a:r>
               <a:rPr lang="en-US" altLang="ko-KR"/>
